--- a/Nasscom_Data/PPT/Future of Mobility.pptx
+++ b/Nasscom_Data/PPT/Future of Mobility.pptx
@@ -222,7 +222,7 @@
           <a:p>
             <a:fld id="{93149A26-F32D-4524-895B-368B70E38F7C}" type="datetimeFigureOut">
               <a:rPr lang="en-GB" smtClean="0"/>
-              <a:t>22/08/2018</a:t>
+              <a:t>23/08/2018</a:t>
             </a:fld>
             <a:endParaRPr lang="en-GB"/>
           </a:p>
@@ -353,7 +353,7 @@
           <a:p>
             <a:fld id="{FF41C2AF-2957-B147-97F8-9DD44FE1FBD5}" type="datetimeFigureOut">
               <a:rPr lang="en-US" smtClean="0"/>
-              <a:t>8/22/2018</a:t>
+              <a:t>8/23/2018</a:t>
             </a:fld>
             <a:endParaRPr lang="en-US"/>
           </a:p>
@@ -842,7 +842,7 @@
           <p:cNvPr id="22" name="Text Placeholder 1">
             <a:extLst>
               <a:ext uri="{FF2B5EF4-FFF2-40B4-BE49-F238E27FC236}">
-                <a16:creationId xmlns="" xmlns:a16="http://schemas.microsoft.com/office/drawing/2014/main" id="{54CBB3A6-1FD1-4E81-8D59-071C3DCFA35A}"/>
+                <a16:creationId xmlns:a16="http://schemas.microsoft.com/office/drawing/2014/main" id="{54CBB3A6-1FD1-4E81-8D59-071C3DCFA35A}"/>
               </a:ext>
             </a:extLst>
           </p:cNvPr>
@@ -886,7 +886,7 @@
           <p:cNvPr id="23" name="Text Placeholder 1">
             <a:extLst>
               <a:ext uri="{FF2B5EF4-FFF2-40B4-BE49-F238E27FC236}">
-                <a16:creationId xmlns="" xmlns:a16="http://schemas.microsoft.com/office/drawing/2014/main" id="{53A941E4-8150-49D2-8A51-C07DA3F1CD71}"/>
+                <a16:creationId xmlns:a16="http://schemas.microsoft.com/office/drawing/2014/main" id="{53A941E4-8150-49D2-8A51-C07DA3F1CD71}"/>
               </a:ext>
             </a:extLst>
           </p:cNvPr>
@@ -2372,7 +2372,7 @@
           <p:cNvPr id="28" name="Date Placeholder 3">
             <a:extLst>
               <a:ext uri="{FF2B5EF4-FFF2-40B4-BE49-F238E27FC236}">
-                <a16:creationId xmlns="" xmlns:a16="http://schemas.microsoft.com/office/drawing/2014/main" id="{3F8C7E1D-03DE-45D2-9DDF-4F9EA8EE3D09}"/>
+                <a16:creationId xmlns:a16="http://schemas.microsoft.com/office/drawing/2014/main" id="{3F8C7E1D-03DE-45D2-9DDF-4F9EA8EE3D09}"/>
               </a:ext>
             </a:extLst>
           </p:cNvPr>
@@ -2420,7 +2420,7 @@
           <p:cNvPr id="29" name="Rectangle 28">
             <a:extLst>
               <a:ext uri="{FF2B5EF4-FFF2-40B4-BE49-F238E27FC236}">
-                <a16:creationId xmlns="" xmlns:a16="http://schemas.microsoft.com/office/drawing/2014/main" id="{78C60D6A-DDE5-43B6-8C1A-0DDE65B5B8D7}"/>
+                <a16:creationId xmlns:a16="http://schemas.microsoft.com/office/drawing/2014/main" id="{78C60D6A-DDE5-43B6-8C1A-0DDE65B5B8D7}"/>
               </a:ext>
             </a:extLst>
           </p:cNvPr>
@@ -2472,7 +2472,7 @@
           <p:cNvPr id="30" name="Rectangle 29">
             <a:extLst>
               <a:ext uri="{FF2B5EF4-FFF2-40B4-BE49-F238E27FC236}">
-                <a16:creationId xmlns="" xmlns:a16="http://schemas.microsoft.com/office/drawing/2014/main" id="{12A772F5-66EC-4168-9E55-95027BF44730}"/>
+                <a16:creationId xmlns:a16="http://schemas.microsoft.com/office/drawing/2014/main" id="{12A772F5-66EC-4168-9E55-95027BF44730}"/>
               </a:ext>
             </a:extLst>
           </p:cNvPr>
@@ -3247,7 +3247,7 @@
           <p:cNvPr id="28" name="Date Placeholder 3">
             <a:extLst>
               <a:ext uri="{FF2B5EF4-FFF2-40B4-BE49-F238E27FC236}">
-                <a16:creationId xmlns="" xmlns:a16="http://schemas.microsoft.com/office/drawing/2014/main" id="{E9E323D5-DC3E-4123-93FA-286F1205D234}"/>
+                <a16:creationId xmlns:a16="http://schemas.microsoft.com/office/drawing/2014/main" id="{E9E323D5-DC3E-4123-93FA-286F1205D234}"/>
               </a:ext>
             </a:extLst>
           </p:cNvPr>
@@ -3295,7 +3295,7 @@
           <p:cNvPr id="23" name="Rectangle 22">
             <a:extLst>
               <a:ext uri="{FF2B5EF4-FFF2-40B4-BE49-F238E27FC236}">
-                <a16:creationId xmlns="" xmlns:a16="http://schemas.microsoft.com/office/drawing/2014/main" id="{1C14C21B-3A46-4417-9AD9-13EA31C872D3}"/>
+                <a16:creationId xmlns:a16="http://schemas.microsoft.com/office/drawing/2014/main" id="{1C14C21B-3A46-4417-9AD9-13EA31C872D3}"/>
               </a:ext>
             </a:extLst>
           </p:cNvPr>
@@ -3347,7 +3347,7 @@
           <p:cNvPr id="29" name="Rectangle 28">
             <a:extLst>
               <a:ext uri="{FF2B5EF4-FFF2-40B4-BE49-F238E27FC236}">
-                <a16:creationId xmlns="" xmlns:a16="http://schemas.microsoft.com/office/drawing/2014/main" id="{57647190-517C-4597-A934-2032B06030E8}"/>
+                <a16:creationId xmlns:a16="http://schemas.microsoft.com/office/drawing/2014/main" id="{57647190-517C-4597-A934-2032B06030E8}"/>
               </a:ext>
             </a:extLst>
           </p:cNvPr>
@@ -3399,7 +3399,7 @@
           <p:cNvPr id="30" name="Picture 29">
             <a:extLst>
               <a:ext uri="{FF2B5EF4-FFF2-40B4-BE49-F238E27FC236}">
-                <a16:creationId xmlns="" xmlns:a16="http://schemas.microsoft.com/office/drawing/2014/main" id="{2D4232EC-3679-4624-8929-E6720449FA09}"/>
+                <a16:creationId xmlns:a16="http://schemas.microsoft.com/office/drawing/2014/main" id="{2D4232EC-3679-4624-8929-E6720449FA09}"/>
               </a:ext>
             </a:extLst>
           </p:cNvPr>
@@ -3428,7 +3428,7 @@
           <p:cNvPr id="24" name="Straight Connector 23">
             <a:extLst>
               <a:ext uri="{FF2B5EF4-FFF2-40B4-BE49-F238E27FC236}">
-                <a16:creationId xmlns="" xmlns:a16="http://schemas.microsoft.com/office/drawing/2014/main" id="{0A8062D7-C77B-4BF9-818D-F89FCEED21DA}"/>
+                <a16:creationId xmlns:a16="http://schemas.microsoft.com/office/drawing/2014/main" id="{0A8062D7-C77B-4BF9-818D-F89FCEED21DA}"/>
               </a:ext>
             </a:extLst>
           </p:cNvPr>
@@ -3469,7 +3469,7 @@
           <p:cNvPr id="25" name="Straight Connector 24">
             <a:extLst>
               <a:ext uri="{FF2B5EF4-FFF2-40B4-BE49-F238E27FC236}">
-                <a16:creationId xmlns="" xmlns:a16="http://schemas.microsoft.com/office/drawing/2014/main" id="{AEBBD972-7CA7-473B-AF5B-1705A1BF33BD}"/>
+                <a16:creationId xmlns:a16="http://schemas.microsoft.com/office/drawing/2014/main" id="{AEBBD972-7CA7-473B-AF5B-1705A1BF33BD}"/>
               </a:ext>
             </a:extLst>
           </p:cNvPr>
@@ -3510,7 +3510,7 @@
           <p:cNvPr id="3" name="Picture 2">
             <a:extLst>
               <a:ext uri="{FF2B5EF4-FFF2-40B4-BE49-F238E27FC236}">
-                <a16:creationId xmlns="" xmlns:a16="http://schemas.microsoft.com/office/drawing/2014/main" id="{4A84AD1E-DD21-489B-B03B-093BA876DF71}"/>
+                <a16:creationId xmlns:a16="http://schemas.microsoft.com/office/drawing/2014/main" id="{4A84AD1E-DD21-489B-B03B-093BA876DF71}"/>
               </a:ext>
             </a:extLst>
           </p:cNvPr>
@@ -3540,7 +3540,7 @@
           <p:cNvPr id="5" name="Picture 4">
             <a:extLst>
               <a:ext uri="{FF2B5EF4-FFF2-40B4-BE49-F238E27FC236}">
-                <a16:creationId xmlns="" xmlns:a16="http://schemas.microsoft.com/office/drawing/2014/main" id="{EEA7466C-8103-4EE0-A411-910351D1124C}"/>
+                <a16:creationId xmlns:a16="http://schemas.microsoft.com/office/drawing/2014/main" id="{EEA7466C-8103-4EE0-A411-910351D1124C}"/>
               </a:ext>
             </a:extLst>
           </p:cNvPr>
@@ -3570,7 +3570,7 @@
           <p:cNvPr id="7" name="Picture 6">
             <a:extLst>
               <a:ext uri="{FF2B5EF4-FFF2-40B4-BE49-F238E27FC236}">
-                <a16:creationId xmlns="" xmlns:a16="http://schemas.microsoft.com/office/drawing/2014/main" id="{4BDF22E3-E6E0-418F-95D5-EC4E43C8DD9B}"/>
+                <a16:creationId xmlns:a16="http://schemas.microsoft.com/office/drawing/2014/main" id="{4BDF22E3-E6E0-418F-95D5-EC4E43C8DD9B}"/>
               </a:ext>
             </a:extLst>
           </p:cNvPr>
@@ -5486,7 +5486,7 @@
           <p:cNvPr id="32" name="Date Placeholder 3">
             <a:extLst>
               <a:ext uri="{FF2B5EF4-FFF2-40B4-BE49-F238E27FC236}">
-                <a16:creationId xmlns="" xmlns:a16="http://schemas.microsoft.com/office/drawing/2014/main" id="{24D9879A-0333-433A-89CD-4CABD3FFCC52}"/>
+                <a16:creationId xmlns:a16="http://schemas.microsoft.com/office/drawing/2014/main" id="{24D9879A-0333-433A-89CD-4CABD3FFCC52}"/>
               </a:ext>
             </a:extLst>
           </p:cNvPr>
@@ -5534,7 +5534,7 @@
           <p:cNvPr id="30" name="Rectangle 29">
             <a:extLst>
               <a:ext uri="{FF2B5EF4-FFF2-40B4-BE49-F238E27FC236}">
-                <a16:creationId xmlns="" xmlns:a16="http://schemas.microsoft.com/office/drawing/2014/main" id="{49E6D8E3-7933-4126-AD56-8C707624A7C6}"/>
+                <a16:creationId xmlns:a16="http://schemas.microsoft.com/office/drawing/2014/main" id="{49E6D8E3-7933-4126-AD56-8C707624A7C6}"/>
               </a:ext>
             </a:extLst>
           </p:cNvPr>
@@ -5586,7 +5586,7 @@
           <p:cNvPr id="31" name="Rectangle 30">
             <a:extLst>
               <a:ext uri="{FF2B5EF4-FFF2-40B4-BE49-F238E27FC236}">
-                <a16:creationId xmlns="" xmlns:a16="http://schemas.microsoft.com/office/drawing/2014/main" id="{CFA4920D-9CB2-42B7-B476-F923AF1E32F4}"/>
+                <a16:creationId xmlns:a16="http://schemas.microsoft.com/office/drawing/2014/main" id="{CFA4920D-9CB2-42B7-B476-F923AF1E32F4}"/>
               </a:ext>
             </a:extLst>
           </p:cNvPr>
@@ -5638,7 +5638,7 @@
           <p:cNvPr id="34" name="Straight Connector 33">
             <a:extLst>
               <a:ext uri="{FF2B5EF4-FFF2-40B4-BE49-F238E27FC236}">
-                <a16:creationId xmlns="" xmlns:a16="http://schemas.microsoft.com/office/drawing/2014/main" id="{91540F55-2D8F-46D0-B522-63252577DD7B}"/>
+                <a16:creationId xmlns:a16="http://schemas.microsoft.com/office/drawing/2014/main" id="{91540F55-2D8F-46D0-B522-63252577DD7B}"/>
               </a:ext>
             </a:extLst>
           </p:cNvPr>
@@ -5679,7 +5679,7 @@
           <p:cNvPr id="35" name="Straight Connector 34">
             <a:extLst>
               <a:ext uri="{FF2B5EF4-FFF2-40B4-BE49-F238E27FC236}">
-                <a16:creationId xmlns="" xmlns:a16="http://schemas.microsoft.com/office/drawing/2014/main" id="{02D5A02D-40CA-45B9-B11B-16A328998488}"/>
+                <a16:creationId xmlns:a16="http://schemas.microsoft.com/office/drawing/2014/main" id="{02D5A02D-40CA-45B9-B11B-16A328998488}"/>
               </a:ext>
             </a:extLst>
           </p:cNvPr>
@@ -7426,7 +7426,7 @@
           <p:cNvPr id="29" name="Date Placeholder 3">
             <a:extLst>
               <a:ext uri="{FF2B5EF4-FFF2-40B4-BE49-F238E27FC236}">
-                <a16:creationId xmlns="" xmlns:a16="http://schemas.microsoft.com/office/drawing/2014/main" id="{DD003BEF-86CB-4055-89D8-CE9D61267615}"/>
+                <a16:creationId xmlns:a16="http://schemas.microsoft.com/office/drawing/2014/main" id="{DD003BEF-86CB-4055-89D8-CE9D61267615}"/>
               </a:ext>
             </a:extLst>
           </p:cNvPr>
@@ -7474,7 +7474,7 @@
           <p:cNvPr id="27" name="Rectangle 26">
             <a:extLst>
               <a:ext uri="{FF2B5EF4-FFF2-40B4-BE49-F238E27FC236}">
-                <a16:creationId xmlns="" xmlns:a16="http://schemas.microsoft.com/office/drawing/2014/main" id="{52E92E2A-5191-462D-BDA8-DEE6966C037C}"/>
+                <a16:creationId xmlns:a16="http://schemas.microsoft.com/office/drawing/2014/main" id="{52E92E2A-5191-462D-BDA8-DEE6966C037C}"/>
               </a:ext>
             </a:extLst>
           </p:cNvPr>
@@ -7526,7 +7526,7 @@
           <p:cNvPr id="28" name="Rectangle 27">
             <a:extLst>
               <a:ext uri="{FF2B5EF4-FFF2-40B4-BE49-F238E27FC236}">
-                <a16:creationId xmlns="" xmlns:a16="http://schemas.microsoft.com/office/drawing/2014/main" id="{4DB4AE27-FA19-44FC-AF4F-4D4DFC2685E4}"/>
+                <a16:creationId xmlns:a16="http://schemas.microsoft.com/office/drawing/2014/main" id="{4DB4AE27-FA19-44FC-AF4F-4D4DFC2685E4}"/>
               </a:ext>
             </a:extLst>
           </p:cNvPr>
@@ -7578,7 +7578,7 @@
           <p:cNvPr id="31" name="Straight Connector 30">
             <a:extLst>
               <a:ext uri="{FF2B5EF4-FFF2-40B4-BE49-F238E27FC236}">
-                <a16:creationId xmlns="" xmlns:a16="http://schemas.microsoft.com/office/drawing/2014/main" id="{60C7E019-29CC-41A2-9D60-9DA73EE64D6F}"/>
+                <a16:creationId xmlns:a16="http://schemas.microsoft.com/office/drawing/2014/main" id="{60C7E019-29CC-41A2-9D60-9DA73EE64D6F}"/>
               </a:ext>
             </a:extLst>
           </p:cNvPr>
@@ -7619,7 +7619,7 @@
           <p:cNvPr id="32" name="Straight Connector 31">
             <a:extLst>
               <a:ext uri="{FF2B5EF4-FFF2-40B4-BE49-F238E27FC236}">
-                <a16:creationId xmlns="" xmlns:a16="http://schemas.microsoft.com/office/drawing/2014/main" id="{FD42A0C3-43C2-4D2C-8598-0BC92684F4C3}"/>
+                <a16:creationId xmlns:a16="http://schemas.microsoft.com/office/drawing/2014/main" id="{FD42A0C3-43C2-4D2C-8598-0BC92684F4C3}"/>
               </a:ext>
             </a:extLst>
           </p:cNvPr>
@@ -8726,7 +8726,7 @@
           <p:cNvPr id="28" name="Date Placeholder 3">
             <a:extLst>
               <a:ext uri="{FF2B5EF4-FFF2-40B4-BE49-F238E27FC236}">
-                <a16:creationId xmlns="" xmlns:a16="http://schemas.microsoft.com/office/drawing/2014/main" id="{0FB8014B-7A86-4213-8D15-EA14E1522FBE}"/>
+                <a16:creationId xmlns:a16="http://schemas.microsoft.com/office/drawing/2014/main" id="{0FB8014B-7A86-4213-8D15-EA14E1522FBE}"/>
               </a:ext>
             </a:extLst>
           </p:cNvPr>
@@ -8774,7 +8774,7 @@
           <p:cNvPr id="26" name="Rectangle 25">
             <a:extLst>
               <a:ext uri="{FF2B5EF4-FFF2-40B4-BE49-F238E27FC236}">
-                <a16:creationId xmlns="" xmlns:a16="http://schemas.microsoft.com/office/drawing/2014/main" id="{DD0B7AAF-5145-43C7-AA38-B9B3B3B2D0F0}"/>
+                <a16:creationId xmlns:a16="http://schemas.microsoft.com/office/drawing/2014/main" id="{DD0B7AAF-5145-43C7-AA38-B9B3B3B2D0F0}"/>
               </a:ext>
             </a:extLst>
           </p:cNvPr>
@@ -8826,7 +8826,7 @@
           <p:cNvPr id="27" name="Rectangle 26">
             <a:extLst>
               <a:ext uri="{FF2B5EF4-FFF2-40B4-BE49-F238E27FC236}">
-                <a16:creationId xmlns="" xmlns:a16="http://schemas.microsoft.com/office/drawing/2014/main" id="{13945DBA-79FE-4730-AA20-D4167EC0E070}"/>
+                <a16:creationId xmlns:a16="http://schemas.microsoft.com/office/drawing/2014/main" id="{13945DBA-79FE-4730-AA20-D4167EC0E070}"/>
               </a:ext>
             </a:extLst>
           </p:cNvPr>
@@ -8878,7 +8878,7 @@
           <p:cNvPr id="30" name="Straight Connector 29">
             <a:extLst>
               <a:ext uri="{FF2B5EF4-FFF2-40B4-BE49-F238E27FC236}">
-                <a16:creationId xmlns="" xmlns:a16="http://schemas.microsoft.com/office/drawing/2014/main" id="{366AD3FE-AFDC-4EF7-AE3A-8F89E2BFCD9F}"/>
+                <a16:creationId xmlns:a16="http://schemas.microsoft.com/office/drawing/2014/main" id="{366AD3FE-AFDC-4EF7-AE3A-8F89E2BFCD9F}"/>
               </a:ext>
             </a:extLst>
           </p:cNvPr>
@@ -8919,7 +8919,7 @@
           <p:cNvPr id="32" name="Straight Connector 31">
             <a:extLst>
               <a:ext uri="{FF2B5EF4-FFF2-40B4-BE49-F238E27FC236}">
-                <a16:creationId xmlns="" xmlns:a16="http://schemas.microsoft.com/office/drawing/2014/main" id="{C7BDBE4F-5874-4E08-8D1C-E453E956B63E}"/>
+                <a16:creationId xmlns:a16="http://schemas.microsoft.com/office/drawing/2014/main" id="{C7BDBE4F-5874-4E08-8D1C-E453E956B63E}"/>
               </a:ext>
             </a:extLst>
           </p:cNvPr>
@@ -10047,7 +10047,7 @@
           <p:cNvPr id="28" name="Date Placeholder 3">
             <a:extLst>
               <a:ext uri="{FF2B5EF4-FFF2-40B4-BE49-F238E27FC236}">
-                <a16:creationId xmlns="" xmlns:a16="http://schemas.microsoft.com/office/drawing/2014/main" id="{AD30ACAE-1298-4E65-9E6D-E4DD9BC4038E}"/>
+                <a16:creationId xmlns:a16="http://schemas.microsoft.com/office/drawing/2014/main" id="{AD30ACAE-1298-4E65-9E6D-E4DD9BC4038E}"/>
               </a:ext>
             </a:extLst>
           </p:cNvPr>
@@ -10095,7 +10095,7 @@
           <p:cNvPr id="26" name="Rectangle 25">
             <a:extLst>
               <a:ext uri="{FF2B5EF4-FFF2-40B4-BE49-F238E27FC236}">
-                <a16:creationId xmlns="" xmlns:a16="http://schemas.microsoft.com/office/drawing/2014/main" id="{BF2713EC-B968-4E64-B49D-C66DFF376ECF}"/>
+                <a16:creationId xmlns:a16="http://schemas.microsoft.com/office/drawing/2014/main" id="{BF2713EC-B968-4E64-B49D-C66DFF376ECF}"/>
               </a:ext>
             </a:extLst>
           </p:cNvPr>
@@ -10147,7 +10147,7 @@
           <p:cNvPr id="27" name="Rectangle 26">
             <a:extLst>
               <a:ext uri="{FF2B5EF4-FFF2-40B4-BE49-F238E27FC236}">
-                <a16:creationId xmlns="" xmlns:a16="http://schemas.microsoft.com/office/drawing/2014/main" id="{967315A2-7A48-4E69-A94E-26A3A03A1186}"/>
+                <a16:creationId xmlns:a16="http://schemas.microsoft.com/office/drawing/2014/main" id="{967315A2-7A48-4E69-A94E-26A3A03A1186}"/>
               </a:ext>
             </a:extLst>
           </p:cNvPr>
@@ -10199,7 +10199,7 @@
           <p:cNvPr id="31" name="Straight Connector 30">
             <a:extLst>
               <a:ext uri="{FF2B5EF4-FFF2-40B4-BE49-F238E27FC236}">
-                <a16:creationId xmlns="" xmlns:a16="http://schemas.microsoft.com/office/drawing/2014/main" id="{63927BA6-6CD7-4F68-A509-FFDE69F4852E}"/>
+                <a16:creationId xmlns:a16="http://schemas.microsoft.com/office/drawing/2014/main" id="{63927BA6-6CD7-4F68-A509-FFDE69F4852E}"/>
               </a:ext>
             </a:extLst>
           </p:cNvPr>
@@ -10240,7 +10240,7 @@
           <p:cNvPr id="32" name="Straight Connector 31">
             <a:extLst>
               <a:ext uri="{FF2B5EF4-FFF2-40B4-BE49-F238E27FC236}">
-                <a16:creationId xmlns="" xmlns:a16="http://schemas.microsoft.com/office/drawing/2014/main" id="{46C282F4-8B04-421A-9C32-8D37F35672F5}"/>
+                <a16:creationId xmlns:a16="http://schemas.microsoft.com/office/drawing/2014/main" id="{46C282F4-8B04-421A-9C32-8D37F35672F5}"/>
               </a:ext>
             </a:extLst>
           </p:cNvPr>
@@ -10547,7 +10547,7 @@
           <p:cNvPr id="11" name="Date Placeholder 3">
             <a:extLst>
               <a:ext uri="{FF2B5EF4-FFF2-40B4-BE49-F238E27FC236}">
-                <a16:creationId xmlns="" xmlns:a16="http://schemas.microsoft.com/office/drawing/2014/main" id="{67F1D744-1E49-4873-8A3E-39DD6A5A5B83}"/>
+                <a16:creationId xmlns:a16="http://schemas.microsoft.com/office/drawing/2014/main" id="{67F1D744-1E49-4873-8A3E-39DD6A5A5B83}"/>
               </a:ext>
             </a:extLst>
           </p:cNvPr>
@@ -10595,7 +10595,7 @@
           <p:cNvPr id="3" name="Picture 2">
             <a:extLst>
               <a:ext uri="{FF2B5EF4-FFF2-40B4-BE49-F238E27FC236}">
-                <a16:creationId xmlns="" xmlns:a16="http://schemas.microsoft.com/office/drawing/2014/main" id="{46ABA7FB-38AF-4A38-8A16-7F7BF5A1779E}"/>
+                <a16:creationId xmlns:a16="http://schemas.microsoft.com/office/drawing/2014/main" id="{46ABA7FB-38AF-4A38-8A16-7F7BF5A1779E}"/>
               </a:ext>
             </a:extLst>
           </p:cNvPr>
@@ -10881,7 +10881,7 @@
           <p:cNvPr id="10" name="Date Placeholder 3">
             <a:extLst>
               <a:ext uri="{FF2B5EF4-FFF2-40B4-BE49-F238E27FC236}">
-                <a16:creationId xmlns="" xmlns:a16="http://schemas.microsoft.com/office/drawing/2014/main" id="{48869952-9127-4D58-B59E-BB22CF5155E5}"/>
+                <a16:creationId xmlns:a16="http://schemas.microsoft.com/office/drawing/2014/main" id="{48869952-9127-4D58-B59E-BB22CF5155E5}"/>
               </a:ext>
             </a:extLst>
           </p:cNvPr>
@@ -11061,7 +11061,7 @@
           <p:cNvPr id="7" name="Date Placeholder 3">
             <a:extLst>
               <a:ext uri="{FF2B5EF4-FFF2-40B4-BE49-F238E27FC236}">
-                <a16:creationId xmlns="" xmlns:a16="http://schemas.microsoft.com/office/drawing/2014/main" id="{38E72A4A-B695-45CB-B2DA-9AB722CB1982}"/>
+                <a16:creationId xmlns:a16="http://schemas.microsoft.com/office/drawing/2014/main" id="{38E72A4A-B695-45CB-B2DA-9AB722CB1982}"/>
               </a:ext>
             </a:extLst>
           </p:cNvPr>
@@ -11354,7 +11354,7 @@
           <p:cNvPr id="11" name="Date Placeholder 3">
             <a:extLst>
               <a:ext uri="{FF2B5EF4-FFF2-40B4-BE49-F238E27FC236}">
-                <a16:creationId xmlns="" xmlns:a16="http://schemas.microsoft.com/office/drawing/2014/main" id="{4FB54D72-3CF7-4C78-81B4-6471ABA2380E}"/>
+                <a16:creationId xmlns:a16="http://schemas.microsoft.com/office/drawing/2014/main" id="{4FB54D72-3CF7-4C78-81B4-6471ABA2380E}"/>
               </a:ext>
             </a:extLst>
           </p:cNvPr>
@@ -11402,7 +11402,7 @@
           <p:cNvPr id="3" name="Picture 2">
             <a:extLst>
               <a:ext uri="{FF2B5EF4-FFF2-40B4-BE49-F238E27FC236}">
-                <a16:creationId xmlns="" xmlns:a16="http://schemas.microsoft.com/office/drawing/2014/main" id="{D3609EE5-EEBD-4960-A6BE-4E335694A3ED}"/>
+                <a16:creationId xmlns:a16="http://schemas.microsoft.com/office/drawing/2014/main" id="{D3609EE5-EEBD-4960-A6BE-4E335694A3ED}"/>
               </a:ext>
             </a:extLst>
           </p:cNvPr>
@@ -11606,7 +11606,7 @@
           <p:cNvPr id="7" name="Text Placeholder 1">
             <a:extLst>
               <a:ext uri="{FF2B5EF4-FFF2-40B4-BE49-F238E27FC236}">
-                <a16:creationId xmlns="" xmlns:a16="http://schemas.microsoft.com/office/drawing/2014/main" id="{3AC4D2AE-E2A3-4392-9334-CED39A072416}"/>
+                <a16:creationId xmlns:a16="http://schemas.microsoft.com/office/drawing/2014/main" id="{3AC4D2AE-E2A3-4392-9334-CED39A072416}"/>
               </a:ext>
             </a:extLst>
           </p:cNvPr>
@@ -11650,7 +11650,7 @@
           <p:cNvPr id="10" name="Text Placeholder 1">
             <a:extLst>
               <a:ext uri="{FF2B5EF4-FFF2-40B4-BE49-F238E27FC236}">
-                <a16:creationId xmlns="" xmlns:a16="http://schemas.microsoft.com/office/drawing/2014/main" id="{A68CAC5C-9405-44B4-9BD7-74EE505DC9B6}"/>
+                <a16:creationId xmlns:a16="http://schemas.microsoft.com/office/drawing/2014/main" id="{A68CAC5C-9405-44B4-9BD7-74EE505DC9B6}"/>
               </a:ext>
             </a:extLst>
           </p:cNvPr>
@@ -11970,7 +11970,7 @@
           <p:cNvPr id="11" name="Date Placeholder 3">
             <a:extLst>
               <a:ext uri="{FF2B5EF4-FFF2-40B4-BE49-F238E27FC236}">
-                <a16:creationId xmlns="" xmlns:a16="http://schemas.microsoft.com/office/drawing/2014/main" id="{BED09062-FD55-466D-958A-BDA19771D358}"/>
+                <a16:creationId xmlns:a16="http://schemas.microsoft.com/office/drawing/2014/main" id="{BED09062-FD55-466D-958A-BDA19771D358}"/>
               </a:ext>
             </a:extLst>
           </p:cNvPr>
@@ -12018,7 +12018,7 @@
           <p:cNvPr id="3" name="Picture 2">
             <a:extLst>
               <a:ext uri="{FF2B5EF4-FFF2-40B4-BE49-F238E27FC236}">
-                <a16:creationId xmlns="" xmlns:a16="http://schemas.microsoft.com/office/drawing/2014/main" id="{E4920FA2-A443-4D8D-AD07-7924680A75B3}"/>
+                <a16:creationId xmlns:a16="http://schemas.microsoft.com/office/drawing/2014/main" id="{E4920FA2-A443-4D8D-AD07-7924680A75B3}"/>
               </a:ext>
             </a:extLst>
           </p:cNvPr>
@@ -13279,7 +13279,7 @@
           <p:cNvPr id="16" name="Date Placeholder 3">
             <a:extLst>
               <a:ext uri="{FF2B5EF4-FFF2-40B4-BE49-F238E27FC236}">
-                <a16:creationId xmlns="" xmlns:a16="http://schemas.microsoft.com/office/drawing/2014/main" id="{E694A394-4A10-47C3-AD2F-4BEF3D575A06}"/>
+                <a16:creationId xmlns:a16="http://schemas.microsoft.com/office/drawing/2014/main" id="{E694A394-4A10-47C3-AD2F-4BEF3D575A06}"/>
               </a:ext>
             </a:extLst>
           </p:cNvPr>
@@ -13327,7 +13327,7 @@
           <p:cNvPr id="15" name="Rectangle 14">
             <a:extLst>
               <a:ext uri="{FF2B5EF4-FFF2-40B4-BE49-F238E27FC236}">
-                <a16:creationId xmlns="" xmlns:a16="http://schemas.microsoft.com/office/drawing/2014/main" id="{05D7DC24-E7D1-4D9D-88FA-F226BC0EDDAE}"/>
+                <a16:creationId xmlns:a16="http://schemas.microsoft.com/office/drawing/2014/main" id="{05D7DC24-E7D1-4D9D-88FA-F226BC0EDDAE}"/>
               </a:ext>
             </a:extLst>
           </p:cNvPr>
@@ -13379,7 +13379,7 @@
           <p:cNvPr id="18" name="Rectangle 17">
             <a:extLst>
               <a:ext uri="{FF2B5EF4-FFF2-40B4-BE49-F238E27FC236}">
-                <a16:creationId xmlns="" xmlns:a16="http://schemas.microsoft.com/office/drawing/2014/main" id="{2E157177-C485-41B0-AE66-CF46338C3130}"/>
+                <a16:creationId xmlns:a16="http://schemas.microsoft.com/office/drawing/2014/main" id="{2E157177-C485-41B0-AE66-CF46338C3130}"/>
               </a:ext>
             </a:extLst>
           </p:cNvPr>
@@ -13984,7 +13984,7 @@
           <p:cNvPr id="19" name="Date Placeholder 3">
             <a:extLst>
               <a:ext uri="{FF2B5EF4-FFF2-40B4-BE49-F238E27FC236}">
-                <a16:creationId xmlns="" xmlns:a16="http://schemas.microsoft.com/office/drawing/2014/main" id="{B29611BB-7595-4A98-BA6C-FB136EBAAA31}"/>
+                <a16:creationId xmlns:a16="http://schemas.microsoft.com/office/drawing/2014/main" id="{B29611BB-7595-4A98-BA6C-FB136EBAAA31}"/>
               </a:ext>
             </a:extLst>
           </p:cNvPr>
@@ -14032,7 +14032,7 @@
           <p:cNvPr id="16" name="Rectangle 15">
             <a:extLst>
               <a:ext uri="{FF2B5EF4-FFF2-40B4-BE49-F238E27FC236}">
-                <a16:creationId xmlns="" xmlns:a16="http://schemas.microsoft.com/office/drawing/2014/main" id="{3DFD2787-8379-4359-B31B-FE4152C0D79B}"/>
+                <a16:creationId xmlns:a16="http://schemas.microsoft.com/office/drawing/2014/main" id="{3DFD2787-8379-4359-B31B-FE4152C0D79B}"/>
               </a:ext>
             </a:extLst>
           </p:cNvPr>
@@ -14084,7 +14084,7 @@
           <p:cNvPr id="17" name="Rectangle 16">
             <a:extLst>
               <a:ext uri="{FF2B5EF4-FFF2-40B4-BE49-F238E27FC236}">
-                <a16:creationId xmlns="" xmlns:a16="http://schemas.microsoft.com/office/drawing/2014/main" id="{A11C0F24-00E2-4CBD-AEE3-37899ECFB4D0}"/>
+                <a16:creationId xmlns:a16="http://schemas.microsoft.com/office/drawing/2014/main" id="{A11C0F24-00E2-4CBD-AEE3-37899ECFB4D0}"/>
               </a:ext>
             </a:extLst>
           </p:cNvPr>
@@ -14512,7 +14512,7 @@
           <p:cNvPr id="15" name="Date Placeholder 3">
             <a:extLst>
               <a:ext uri="{FF2B5EF4-FFF2-40B4-BE49-F238E27FC236}">
-                <a16:creationId xmlns="" xmlns:a16="http://schemas.microsoft.com/office/drawing/2014/main" id="{650675CA-3590-4589-8E0B-E40CEA6374DF}"/>
+                <a16:creationId xmlns:a16="http://schemas.microsoft.com/office/drawing/2014/main" id="{650675CA-3590-4589-8E0B-E40CEA6374DF}"/>
               </a:ext>
             </a:extLst>
           </p:cNvPr>
@@ -14560,7 +14560,7 @@
           <p:cNvPr id="13" name="Rectangle 12">
             <a:extLst>
               <a:ext uri="{FF2B5EF4-FFF2-40B4-BE49-F238E27FC236}">
-                <a16:creationId xmlns="" xmlns:a16="http://schemas.microsoft.com/office/drawing/2014/main" id="{D74412E3-5C8F-40C8-84FC-5C64246DB73F}"/>
+                <a16:creationId xmlns:a16="http://schemas.microsoft.com/office/drawing/2014/main" id="{D74412E3-5C8F-40C8-84FC-5C64246DB73F}"/>
               </a:ext>
             </a:extLst>
           </p:cNvPr>
@@ -14612,7 +14612,7 @@
           <p:cNvPr id="14" name="Rectangle 13">
             <a:extLst>
               <a:ext uri="{FF2B5EF4-FFF2-40B4-BE49-F238E27FC236}">
-                <a16:creationId xmlns="" xmlns:a16="http://schemas.microsoft.com/office/drawing/2014/main" id="{A22F6631-10A4-46BF-8806-7C6F7E32C5F9}"/>
+                <a16:creationId xmlns:a16="http://schemas.microsoft.com/office/drawing/2014/main" id="{A22F6631-10A4-46BF-8806-7C6F7E32C5F9}"/>
               </a:ext>
             </a:extLst>
           </p:cNvPr>
@@ -14896,7 +14896,7 @@
           <p:cNvPr id="17" name="Title 1">
             <a:extLst>
               <a:ext uri="{FF2B5EF4-FFF2-40B4-BE49-F238E27FC236}">
-                <a16:creationId xmlns="" xmlns:a16="http://schemas.microsoft.com/office/drawing/2014/main" id="{7C5B36DB-69D7-4374-B8FE-0725DBAB2E1D}"/>
+                <a16:creationId xmlns:a16="http://schemas.microsoft.com/office/drawing/2014/main" id="{7C5B36DB-69D7-4374-B8FE-0725DBAB2E1D}"/>
               </a:ext>
             </a:extLst>
           </p:cNvPr>
@@ -15117,7 +15117,7 @@
           <p:cNvPr id="16" name="Date Placeholder 3">
             <a:extLst>
               <a:ext uri="{FF2B5EF4-FFF2-40B4-BE49-F238E27FC236}">
-                <a16:creationId xmlns="" xmlns:a16="http://schemas.microsoft.com/office/drawing/2014/main" id="{9781D497-6432-481E-9355-64236815E345}"/>
+                <a16:creationId xmlns:a16="http://schemas.microsoft.com/office/drawing/2014/main" id="{9781D497-6432-481E-9355-64236815E345}"/>
               </a:ext>
             </a:extLst>
           </p:cNvPr>
@@ -15165,7 +15165,7 @@
           <p:cNvPr id="14" name="Rectangle 13">
             <a:extLst>
               <a:ext uri="{FF2B5EF4-FFF2-40B4-BE49-F238E27FC236}">
-                <a16:creationId xmlns="" xmlns:a16="http://schemas.microsoft.com/office/drawing/2014/main" id="{A35D6B1E-EAFD-4FF3-BF88-289F8A4D0C19}"/>
+                <a16:creationId xmlns:a16="http://schemas.microsoft.com/office/drawing/2014/main" id="{A35D6B1E-EAFD-4FF3-BF88-289F8A4D0C19}"/>
               </a:ext>
             </a:extLst>
           </p:cNvPr>
@@ -15217,7 +15217,7 @@
           <p:cNvPr id="15" name="Rectangle 14">
             <a:extLst>
               <a:ext uri="{FF2B5EF4-FFF2-40B4-BE49-F238E27FC236}">
-                <a16:creationId xmlns="" xmlns:a16="http://schemas.microsoft.com/office/drawing/2014/main" id="{BFA8AFA6-2278-4D3E-B014-A86B00E30C15}"/>
+                <a16:creationId xmlns:a16="http://schemas.microsoft.com/office/drawing/2014/main" id="{BFA8AFA6-2278-4D3E-B014-A86B00E30C15}"/>
               </a:ext>
             </a:extLst>
           </p:cNvPr>
@@ -15539,7 +15539,7 @@
           <p:cNvPr id="13" name="Date Placeholder 3">
             <a:extLst>
               <a:ext uri="{FF2B5EF4-FFF2-40B4-BE49-F238E27FC236}">
-                <a16:creationId xmlns="" xmlns:a16="http://schemas.microsoft.com/office/drawing/2014/main" id="{A407B624-2690-4C42-8A7A-E44EAC0A8D85}"/>
+                <a16:creationId xmlns:a16="http://schemas.microsoft.com/office/drawing/2014/main" id="{A407B624-2690-4C42-8A7A-E44EAC0A8D85}"/>
               </a:ext>
             </a:extLst>
           </p:cNvPr>
@@ -15587,7 +15587,7 @@
           <p:cNvPr id="11" name="Rectangle 10">
             <a:extLst>
               <a:ext uri="{FF2B5EF4-FFF2-40B4-BE49-F238E27FC236}">
-                <a16:creationId xmlns="" xmlns:a16="http://schemas.microsoft.com/office/drawing/2014/main" id="{CE1736F5-B9DC-432C-A9D5-464DAFE746A3}"/>
+                <a16:creationId xmlns:a16="http://schemas.microsoft.com/office/drawing/2014/main" id="{CE1736F5-B9DC-432C-A9D5-464DAFE746A3}"/>
               </a:ext>
             </a:extLst>
           </p:cNvPr>
@@ -15639,7 +15639,7 @@
           <p:cNvPr id="12" name="Rectangle 11">
             <a:extLst>
               <a:ext uri="{FF2B5EF4-FFF2-40B4-BE49-F238E27FC236}">
-                <a16:creationId xmlns="" xmlns:a16="http://schemas.microsoft.com/office/drawing/2014/main" id="{93BCBBEE-709A-49EC-928C-3D315E4FF533}"/>
+                <a16:creationId xmlns:a16="http://schemas.microsoft.com/office/drawing/2014/main" id="{93BCBBEE-709A-49EC-928C-3D315E4FF533}"/>
               </a:ext>
             </a:extLst>
           </p:cNvPr>
@@ -17098,7 +17098,7 @@
           <p:cNvPr id="30" name="Date Placeholder 3">
             <a:extLst>
               <a:ext uri="{FF2B5EF4-FFF2-40B4-BE49-F238E27FC236}">
-                <a16:creationId xmlns="" xmlns:a16="http://schemas.microsoft.com/office/drawing/2014/main" id="{A2973D0A-4858-4538-9CC3-0312978135B0}"/>
+                <a16:creationId xmlns:a16="http://schemas.microsoft.com/office/drawing/2014/main" id="{A2973D0A-4858-4538-9CC3-0312978135B0}"/>
               </a:ext>
             </a:extLst>
           </p:cNvPr>
@@ -17146,7 +17146,7 @@
           <p:cNvPr id="31" name="Rectangle 30">
             <a:extLst>
               <a:ext uri="{FF2B5EF4-FFF2-40B4-BE49-F238E27FC236}">
-                <a16:creationId xmlns="" xmlns:a16="http://schemas.microsoft.com/office/drawing/2014/main" id="{455BEC8F-CD16-440A-8651-60D63D9CC771}"/>
+                <a16:creationId xmlns:a16="http://schemas.microsoft.com/office/drawing/2014/main" id="{455BEC8F-CD16-440A-8651-60D63D9CC771}"/>
               </a:ext>
             </a:extLst>
           </p:cNvPr>
@@ -17198,7 +17198,7 @@
           <p:cNvPr id="32" name="Rectangle 31">
             <a:extLst>
               <a:ext uri="{FF2B5EF4-FFF2-40B4-BE49-F238E27FC236}">
-                <a16:creationId xmlns="" xmlns:a16="http://schemas.microsoft.com/office/drawing/2014/main" id="{600BA00C-AF7B-40EE-8174-166D78752EAA}"/>
+                <a16:creationId xmlns:a16="http://schemas.microsoft.com/office/drawing/2014/main" id="{600BA00C-AF7B-40EE-8174-166D78752EAA}"/>
               </a:ext>
             </a:extLst>
           </p:cNvPr>
@@ -17498,7 +17498,7 @@
           <p:cNvPr id="10" name="Slide Number Placeholder 5">
             <a:extLst>
               <a:ext uri="{FF2B5EF4-FFF2-40B4-BE49-F238E27FC236}">
-                <a16:creationId xmlns="" xmlns:a16="http://schemas.microsoft.com/office/drawing/2014/main" id="{B925E98D-F2C8-4F9D-8FDD-28FBE5130B4B}"/>
+                <a16:creationId xmlns:a16="http://schemas.microsoft.com/office/drawing/2014/main" id="{B925E98D-F2C8-4F9D-8FDD-28FBE5130B4B}"/>
               </a:ext>
             </a:extLst>
           </p:cNvPr>
@@ -17627,7 +17627,7 @@
           <p:cNvPr id="13" name="Slide Number Placeholder 5">
             <a:extLst>
               <a:ext uri="{FF2B5EF4-FFF2-40B4-BE49-F238E27FC236}">
-                <a16:creationId xmlns="" xmlns:a16="http://schemas.microsoft.com/office/drawing/2014/main" id="{3741D668-736F-4EE0-BBB4-68A51837D39B}"/>
+                <a16:creationId xmlns:a16="http://schemas.microsoft.com/office/drawing/2014/main" id="{3741D668-736F-4EE0-BBB4-68A51837D39B}"/>
               </a:ext>
             </a:extLst>
           </p:cNvPr>
@@ -17773,7 +17773,7 @@
           <p:cNvPr id="14" name="Straight Connector 13">
             <a:extLst>
               <a:ext uri="{FF2B5EF4-FFF2-40B4-BE49-F238E27FC236}">
-                <a16:creationId xmlns="" xmlns:a16="http://schemas.microsoft.com/office/drawing/2014/main" id="{E75F7EF4-93F0-42A2-927C-2A330DA10F82}"/>
+                <a16:creationId xmlns:a16="http://schemas.microsoft.com/office/drawing/2014/main" id="{E75F7EF4-93F0-42A2-927C-2A330DA10F82}"/>
               </a:ext>
             </a:extLst>
           </p:cNvPr>
@@ -18146,7 +18146,7 @@
           <p:cNvPr id="2" name="Title 1">
             <a:extLst>
               <a:ext uri="{FF2B5EF4-FFF2-40B4-BE49-F238E27FC236}">
-                <a16:creationId xmlns="" xmlns:a16="http://schemas.microsoft.com/office/drawing/2014/main" id="{55500F32-7F60-4078-B501-DE54E6965824}"/>
+                <a16:creationId xmlns:a16="http://schemas.microsoft.com/office/drawing/2014/main" id="{55500F32-7F60-4078-B501-DE54E6965824}"/>
               </a:ext>
             </a:extLst>
           </p:cNvPr>
@@ -18180,7 +18180,7 @@
           <p:cNvPr id="3" name="Text Placeholder 2">
             <a:extLst>
               <a:ext uri="{FF2B5EF4-FFF2-40B4-BE49-F238E27FC236}">
-                <a16:creationId xmlns="" xmlns:a16="http://schemas.microsoft.com/office/drawing/2014/main" id="{9C93D559-8713-4A9D-9916-7B824772C03D}"/>
+                <a16:creationId xmlns:a16="http://schemas.microsoft.com/office/drawing/2014/main" id="{9C93D559-8713-4A9D-9916-7B824772C03D}"/>
               </a:ext>
             </a:extLst>
           </p:cNvPr>
@@ -18209,7 +18209,7 @@
           <p:cNvPr id="4" name="Text Placeholder 3">
             <a:extLst>
               <a:ext uri="{FF2B5EF4-FFF2-40B4-BE49-F238E27FC236}">
-                <a16:creationId xmlns="" xmlns:a16="http://schemas.microsoft.com/office/drawing/2014/main" id="{4CC01DA8-8C48-4709-9906-9BE0732344E2}"/>
+                <a16:creationId xmlns:a16="http://schemas.microsoft.com/office/drawing/2014/main" id="{4CC01DA8-8C48-4709-9906-9BE0732344E2}"/>
               </a:ext>
             </a:extLst>
           </p:cNvPr>
@@ -18234,7 +18234,7 @@
           <p:cNvPr id="5" name="Text Placeholder 4">
             <a:extLst>
               <a:ext uri="{FF2B5EF4-FFF2-40B4-BE49-F238E27FC236}">
-                <a16:creationId xmlns="" xmlns:a16="http://schemas.microsoft.com/office/drawing/2014/main" id="{7728A85D-5517-4814-BDF5-D07A97257DCA}"/>
+                <a16:creationId xmlns:a16="http://schemas.microsoft.com/office/drawing/2014/main" id="{7728A85D-5517-4814-BDF5-D07A97257DCA}"/>
               </a:ext>
             </a:extLst>
           </p:cNvPr>
@@ -18398,17 +18398,12 @@
             </a:r>
             <a:r>
               <a:rPr lang="en-IN" dirty="0"/>
-              <a:t>swapping. </a:t>
-            </a:r>
-            <a:r>
-              <a:rPr lang="en-IN"/>
-              <a:t>Sale of electricity is a licensed </a:t>
-            </a:r>
-            <a:r>
-              <a:rPr lang="en-IN" smtClean="0"/>
+              <a:t>swapping. Sale of electricity is a licensed </a:t>
+            </a:r>
+            <a:r>
+              <a:rPr lang="en-IN" dirty="0" smtClean="0"/>
               <a:t>activity</a:t>
             </a:r>
-            <a:endParaRPr lang="en-IN" dirty="0" smtClean="0"/>
           </a:p>
           <a:p>
             <a:pPr marL="342900" indent="-342900">
@@ -18511,10 +18506,6 @@
             <a:endParaRPr lang="en-IN" dirty="0" smtClean="0"/>
           </a:p>
           <a:p>
-            <a:r>
-              <a:rPr lang="en-IN" dirty="0" smtClean="0"/>
-              <a:t>Asda.</a:t>
-            </a:r>
             <a:endParaRPr lang="en-IN" dirty="0"/>
           </a:p>
         </p:txBody>
@@ -18884,15 +18875,7 @@
             </a:r>
             <a:r>
               <a:rPr lang="en-IN" dirty="0" smtClean="0"/>
-              <a:t>. 		  (</a:t>
-            </a:r>
-            <a:r>
-              <a:rPr lang="en-IN" dirty="0" smtClean="0"/>
-              <a:t>For </a:t>
-            </a:r>
-            <a:r>
-              <a:rPr lang="en-IN" dirty="0" smtClean="0"/>
-              <a:t>a given state we have list of suitable places like Parking area, Bus Depot</a:t>
+              <a:t>. 		  (For a given state we have list of suitable places like Parking area, Bus Depot</a:t>
             </a:r>
             <a:r>
               <a:rPr lang="en-IN" dirty="0"/>
@@ -18908,15 +18891,7 @@
             </a:r>
             <a:r>
               <a:rPr lang="en-IN" dirty="0" smtClean="0"/>
-              <a:t>issue. Also </a:t>
-            </a:r>
-            <a:r>
-              <a:rPr lang="en-IN" dirty="0" smtClean="0"/>
-              <a:t>considering the accessibility to this places in given traffic </a:t>
-            </a:r>
-            <a:r>
-              <a:rPr lang="en-IN" dirty="0" smtClean="0"/>
-              <a:t>condition.)</a:t>
+              <a:t>issue. Also considering the accessibility to this places in given traffic condition.)</a:t>
             </a:r>
           </a:p>
           <a:p>
@@ -18952,11 +18927,7 @@
             </a:pPr>
             <a:r>
               <a:rPr lang="en-IN" dirty="0" smtClean="0"/>
-              <a:t>Space available</a:t>
-            </a:r>
-            <a:r>
-              <a:rPr lang="en-IN" dirty="0" smtClean="0"/>
-              <a:t>                                                                                                                                                     </a:t>
+              <a:t>Space available                                                                                                                                                     </a:t>
             </a:r>
             <a:endParaRPr lang="en-IN" dirty="0"/>
           </a:p>
@@ -19282,7 +19253,7 @@
           <p:cNvPr id="2" name="Picture Placeholder 1">
             <a:extLst>
               <a:ext uri="{FF2B5EF4-FFF2-40B4-BE49-F238E27FC236}">
-                <a16:creationId xmlns="" xmlns:a16="http://schemas.microsoft.com/office/drawing/2014/main" id="{DBC5E109-4AE1-4AF9-A4BE-B98C790931C0}"/>
+                <a16:creationId xmlns:a16="http://schemas.microsoft.com/office/drawing/2014/main" id="{DBC5E109-4AE1-4AF9-A4BE-B98C790931C0}"/>
               </a:ext>
             </a:extLst>
           </p:cNvPr>
@@ -19300,7 +19271,7 @@
           <p:cNvPr id="3" name="Date Placeholder 2">
             <a:extLst>
               <a:ext uri="{FF2B5EF4-FFF2-40B4-BE49-F238E27FC236}">
-                <a16:creationId xmlns="" xmlns:a16="http://schemas.microsoft.com/office/drawing/2014/main" id="{D7087AB4-5F74-4B75-9249-A2843D7765D7}"/>
+                <a16:creationId xmlns:a16="http://schemas.microsoft.com/office/drawing/2014/main" id="{D7087AB4-5F74-4B75-9249-A2843D7765D7}"/>
               </a:ext>
             </a:extLst>
           </p:cNvPr>
@@ -20171,6 +20142,18 @@
 </file>
 
 <file path=customXml/item2.xml><?xml version="1.0" encoding="utf-8"?>
+<p:properties xmlns:p="http://schemas.microsoft.com/office/2006/metadata/properties" xmlns:xsi="http://www.w3.org/2001/XMLSchema-instance" xmlns:pc="http://schemas.microsoft.com/office/infopath/2007/PartnerControls">
+  <documentManagement>
+    <TaxKeywordTaxHTField xmlns="489abc5b-bdf6-4e50-9c28-6745d929bd9c">
+      <Terms xmlns="http://schemas.microsoft.com/office/infopath/2007/PartnerControls"/>
+    </TaxKeywordTaxHTField>
+    <Category xmlns="3508eb69-905d-4d96-b582-f8c956ab1b25" xsi:nil="true"/>
+    <TaxCatchAll xmlns="489abc5b-bdf6-4e50-9c28-6745d929bd9c"/>
+  </documentManagement>
+</p:properties>
+</file>
+
+<file path=customXml/item3.xml><?xml version="1.0" encoding="utf-8"?>
 <ct:contentTypeSchema xmlns:ct="http://schemas.microsoft.com/office/2006/metadata/contentType" xmlns:ma="http://schemas.microsoft.com/office/2006/metadata/properties/metaAttributes" ct:_="" ma:_="" ma:contentTypeName="Document" ma:contentTypeID="0x010100F5A8F44B21A7BD4F87792DDD02D5E737" ma:contentTypeVersion="27" ma:contentTypeDescription="Create a new document." ma:contentTypeScope="" ma:versionID="d0c694e0183e46bd68c1b344704b5b02">
   <xsd:schema xmlns:xsd="http://www.w3.org/2001/XMLSchema" xmlns:xs="http://www.w3.org/2001/XMLSchema" xmlns:p="http://schemas.microsoft.com/office/2006/metadata/properties" xmlns:ns2="489abc5b-bdf6-4e50-9c28-6745d929bd9c" xmlns:ns3="3508eb69-905d-4d96-b582-f8c956ab1b25" targetNamespace="http://schemas.microsoft.com/office/2006/metadata/properties" ma:root="true" ma:fieldsID="03f1f06334d79309bebda60593ffb970" ns2:_="" ns3:_="">
     <xsd:import namespace="489abc5b-bdf6-4e50-9c28-6745d929bd9c"/>
@@ -20363,18 +20346,6 @@
 </ct:contentTypeSchema>
 </file>
 
-<file path=customXml/item3.xml><?xml version="1.0" encoding="utf-8"?>
-<p:properties xmlns:p="http://schemas.microsoft.com/office/2006/metadata/properties" xmlns:xsi="http://www.w3.org/2001/XMLSchema-instance" xmlns:pc="http://schemas.microsoft.com/office/infopath/2007/PartnerControls">
-  <documentManagement>
-    <TaxKeywordTaxHTField xmlns="489abc5b-bdf6-4e50-9c28-6745d929bd9c">
-      <Terms xmlns="http://schemas.microsoft.com/office/infopath/2007/PartnerControls"/>
-    </TaxKeywordTaxHTField>
-    <Category xmlns="3508eb69-905d-4d96-b582-f8c956ab1b25" xsi:nil="true"/>
-    <TaxCatchAll xmlns="489abc5b-bdf6-4e50-9c28-6745d929bd9c"/>
-  </documentManagement>
-</p:properties>
-</file>
-
 <file path=customXml/itemProps1.xml><?xml version="1.0" encoding="utf-8"?>
 <ds:datastoreItem xmlns:ds="http://schemas.openxmlformats.org/officeDocument/2006/customXml" ds:itemID="{D435BFF9-6A34-4BBE-ADFE-F4A68138C6F1}">
   <ds:schemaRefs>
@@ -20384,6 +20355,23 @@
 </file>
 
 <file path=customXml/itemProps2.xml><?xml version="1.0" encoding="utf-8"?>
+<ds:datastoreItem xmlns:ds="http://schemas.openxmlformats.org/officeDocument/2006/customXml" ds:itemID="{A1CA187C-DCED-4D3F-BBD2-B4DFBBFAFA64}">
+  <ds:schemaRefs>
+    <ds:schemaRef ds:uri="http://purl.org/dc/dcmitype/"/>
+    <ds:schemaRef ds:uri="3508eb69-905d-4d96-b582-f8c956ab1b25"/>
+    <ds:schemaRef ds:uri="http://schemas.openxmlformats.org/package/2006/metadata/core-properties"/>
+    <ds:schemaRef ds:uri="http://purl.org/dc/terms/"/>
+    <ds:schemaRef ds:uri="http://schemas.microsoft.com/office/infopath/2007/PartnerControls"/>
+    <ds:schemaRef ds:uri="http://schemas.microsoft.com/office/2006/documentManagement/types"/>
+    <ds:schemaRef ds:uri="http://purl.org/dc/elements/1.1/"/>
+    <ds:schemaRef ds:uri="489abc5b-bdf6-4e50-9c28-6745d929bd9c"/>
+    <ds:schemaRef ds:uri="http://schemas.microsoft.com/office/2006/metadata/properties"/>
+    <ds:schemaRef ds:uri="http://www.w3.org/XML/1998/namespace"/>
+  </ds:schemaRefs>
+</ds:datastoreItem>
+</file>
+
+<file path=customXml/itemProps3.xml><?xml version="1.0" encoding="utf-8"?>
 <ds:datastoreItem xmlns:ds="http://schemas.openxmlformats.org/officeDocument/2006/customXml" ds:itemID="{6A86FE8C-246F-44F8-A946-22496B650D37}">
   <ds:schemaRefs>
     <ds:schemaRef ds:uri="http://schemas.microsoft.com/office/2006/metadata/contentType"/>
@@ -20400,21 +20388,4 @@
     <ds:schemaRef ds:uri="http://schemas.microsoft.com/internal/obd"/>
   </ds:schemaRefs>
 </ds:datastoreItem>
-</file>
-
-<file path=customXml/itemProps3.xml><?xml version="1.0" encoding="utf-8"?>
-<ds:datastoreItem xmlns:ds="http://schemas.openxmlformats.org/officeDocument/2006/customXml" ds:itemID="{A1CA187C-DCED-4D3F-BBD2-B4DFBBFAFA64}">
-  <ds:schemaRefs>
-    <ds:schemaRef ds:uri="http://purl.org/dc/dcmitype/"/>
-    <ds:schemaRef ds:uri="3508eb69-905d-4d96-b582-f8c956ab1b25"/>
-    <ds:schemaRef ds:uri="http://schemas.openxmlformats.org/package/2006/metadata/core-properties"/>
-    <ds:schemaRef ds:uri="http://purl.org/dc/terms/"/>
-    <ds:schemaRef ds:uri="http://schemas.microsoft.com/office/infopath/2007/PartnerControls"/>
-    <ds:schemaRef ds:uri="http://schemas.microsoft.com/office/2006/documentManagement/types"/>
-    <ds:schemaRef ds:uri="http://purl.org/dc/elements/1.1/"/>
-    <ds:schemaRef ds:uri="489abc5b-bdf6-4e50-9c28-6745d929bd9c"/>
-    <ds:schemaRef ds:uri="http://schemas.microsoft.com/office/2006/metadata/properties"/>
-    <ds:schemaRef ds:uri="http://www.w3.org/XML/1998/namespace"/>
-  </ds:schemaRefs>
-</ds:datastoreItem>
 </file>